--- a/docs/pro-fe-build-tools.pptx
+++ b/docs/pro-fe-build-tools.pptx
@@ -542,7 +542,7 @@
       </p:grpSpPr>
       <p:sp>
         <p:nvSpPr>
-          <p:cNvPr id="121" name="Shape 121"/>
+          <p:cNvPr id="122" name="Shape 122"/>
           <p:cNvSpPr/>
           <p:nvPr>
             <p:ph type="sldImg"/>
@@ -563,7 +563,7 @@
       </p:sp>
       <p:sp>
         <p:nvSpPr>
-          <p:cNvPr id="122" name="Shape 122"/>
+          <p:cNvPr id="123" name="Shape 123"/>
           <p:cNvSpPr/>
           <p:nvPr>
             <p:ph type="body" sz="quarter" idx="1"/>
@@ -642,7 +642,7 @@
       </p:grpSpPr>
       <p:sp>
         <p:nvSpPr>
-          <p:cNvPr id="186" name="Shape 186"/>
+          <p:cNvPr id="187" name="Shape 187"/>
           <p:cNvSpPr/>
           <p:nvPr>
             <p:ph type="sldImg"/>
@@ -663,7 +663,7 @@
       </p:sp>
       <p:sp>
         <p:nvSpPr>
-          <p:cNvPr id="187" name="Shape 187"/>
+          <p:cNvPr id="188" name="Shape 188"/>
           <p:cNvSpPr/>
           <p:nvPr>
             <p:ph type="body" sz="quarter" idx="1"/>
@@ -712,7 +712,7 @@
       </p:grpSpPr>
       <p:sp>
         <p:nvSpPr>
-          <p:cNvPr id="195" name="Shape 195"/>
+          <p:cNvPr id="196" name="Shape 196"/>
           <p:cNvSpPr/>
           <p:nvPr>
             <p:ph type="sldImg"/>
@@ -733,7 +733,7 @@
       </p:sp>
       <p:sp>
         <p:nvSpPr>
-          <p:cNvPr id="196" name="Shape 196"/>
+          <p:cNvPr id="197" name="Shape 197"/>
           <p:cNvSpPr/>
           <p:nvPr>
             <p:ph type="body" sz="quarter" idx="1"/>
@@ -782,7 +782,7 @@
       </p:grpSpPr>
       <p:sp>
         <p:nvSpPr>
-          <p:cNvPr id="200" name="Shape 200"/>
+          <p:cNvPr id="201" name="Shape 201"/>
           <p:cNvSpPr/>
           <p:nvPr>
             <p:ph type="sldImg"/>
@@ -803,7 +803,7 @@
       </p:sp>
       <p:sp>
         <p:nvSpPr>
-          <p:cNvPr id="201" name="Shape 201"/>
+          <p:cNvPr id="202" name="Shape 202"/>
           <p:cNvSpPr/>
           <p:nvPr>
             <p:ph type="body" sz="quarter" idx="1"/>
@@ -852,7 +852,7 @@
       </p:grpSpPr>
       <p:sp>
         <p:nvSpPr>
-          <p:cNvPr id="208" name="Shape 208"/>
+          <p:cNvPr id="209" name="Shape 209"/>
           <p:cNvSpPr/>
           <p:nvPr>
             <p:ph type="sldImg"/>
@@ -873,7 +873,7 @@
       </p:sp>
       <p:sp>
         <p:nvSpPr>
-          <p:cNvPr id="209" name="Shape 209"/>
+          <p:cNvPr id="210" name="Shape 210"/>
           <p:cNvSpPr/>
           <p:nvPr>
             <p:ph type="body" sz="quarter" idx="1"/>
@@ -940,7 +940,7 @@
       </p:grpSpPr>
       <p:sp>
         <p:nvSpPr>
-          <p:cNvPr id="221" name="Shape 221"/>
+          <p:cNvPr id="222" name="Shape 222"/>
           <p:cNvSpPr/>
           <p:nvPr>
             <p:ph type="sldImg"/>
@@ -961,7 +961,7 @@
       </p:sp>
       <p:sp>
         <p:nvSpPr>
-          <p:cNvPr id="222" name="Shape 222"/>
+          <p:cNvPr id="223" name="Shape 223"/>
           <p:cNvSpPr/>
           <p:nvPr>
             <p:ph type="body" sz="quarter" idx="1"/>
@@ -1019,7 +1019,7 @@
       </p:grpSpPr>
       <p:sp>
         <p:nvSpPr>
-          <p:cNvPr id="228" name="Shape 228"/>
+          <p:cNvPr id="229" name="Shape 229"/>
           <p:cNvSpPr/>
           <p:nvPr>
             <p:ph type="sldImg"/>
@@ -1040,7 +1040,7 @@
       </p:sp>
       <p:sp>
         <p:nvSpPr>
-          <p:cNvPr id="229" name="Shape 229"/>
+          <p:cNvPr id="230" name="Shape 230"/>
           <p:cNvSpPr/>
           <p:nvPr>
             <p:ph type="body" sz="quarter" idx="1"/>
@@ -1089,7 +1089,7 @@
       </p:grpSpPr>
       <p:sp>
         <p:nvSpPr>
-          <p:cNvPr id="233" name="Shape 233"/>
+          <p:cNvPr id="234" name="Shape 234"/>
           <p:cNvSpPr/>
           <p:nvPr>
             <p:ph type="sldImg"/>
@@ -1110,7 +1110,7 @@
       </p:sp>
       <p:sp>
         <p:nvSpPr>
-          <p:cNvPr id="234" name="Shape 234"/>
+          <p:cNvPr id="235" name="Shape 235"/>
           <p:cNvSpPr/>
           <p:nvPr>
             <p:ph type="body" sz="quarter" idx="1"/>
@@ -1168,7 +1168,7 @@
       </p:grpSpPr>
       <p:sp>
         <p:nvSpPr>
-          <p:cNvPr id="136" name="Shape 136"/>
+          <p:cNvPr id="137" name="Shape 137"/>
           <p:cNvSpPr/>
           <p:nvPr>
             <p:ph type="sldImg"/>
@@ -1189,7 +1189,7 @@
       </p:sp>
       <p:sp>
         <p:nvSpPr>
-          <p:cNvPr id="137" name="Shape 137"/>
+          <p:cNvPr id="138" name="Shape 138"/>
           <p:cNvSpPr/>
           <p:nvPr>
             <p:ph type="body" sz="quarter" idx="1"/>
@@ -1244,7 +1244,7 @@
       </p:grpSpPr>
       <p:sp>
         <p:nvSpPr>
-          <p:cNvPr id="141" name="Shape 141"/>
+          <p:cNvPr id="142" name="Shape 142"/>
           <p:cNvSpPr/>
           <p:nvPr>
             <p:ph type="sldImg"/>
@@ -1265,7 +1265,7 @@
       </p:sp>
       <p:sp>
         <p:nvSpPr>
-          <p:cNvPr id="142" name="Shape 142"/>
+          <p:cNvPr id="143" name="Shape 143"/>
           <p:cNvSpPr/>
           <p:nvPr>
             <p:ph type="body" sz="quarter" idx="1"/>
@@ -1314,7 +1314,7 @@
       </p:grpSpPr>
       <p:sp>
         <p:nvSpPr>
-          <p:cNvPr id="150" name="Shape 150"/>
+          <p:cNvPr id="151" name="Shape 151"/>
           <p:cNvSpPr/>
           <p:nvPr>
             <p:ph type="sldImg"/>
@@ -1335,7 +1335,7 @@
       </p:sp>
       <p:sp>
         <p:nvSpPr>
-          <p:cNvPr id="151" name="Shape 151"/>
+          <p:cNvPr id="152" name="Shape 152"/>
           <p:cNvSpPr/>
           <p:nvPr>
             <p:ph type="body" sz="quarter" idx="1"/>
@@ -1384,7 +1384,7 @@
       </p:grpSpPr>
       <p:sp>
         <p:nvSpPr>
-          <p:cNvPr id="156" name="Shape 156"/>
+          <p:cNvPr id="157" name="Shape 157"/>
           <p:cNvSpPr/>
           <p:nvPr>
             <p:ph type="sldImg"/>
@@ -1405,7 +1405,7 @@
       </p:sp>
       <p:sp>
         <p:nvSpPr>
-          <p:cNvPr id="157" name="Shape 157"/>
+          <p:cNvPr id="158" name="Shape 158"/>
           <p:cNvSpPr/>
           <p:nvPr>
             <p:ph type="body" sz="quarter" idx="1"/>
@@ -1454,7 +1454,7 @@
       </p:grpSpPr>
       <p:sp>
         <p:nvSpPr>
-          <p:cNvPr id="162" name="Shape 162"/>
+          <p:cNvPr id="163" name="Shape 163"/>
           <p:cNvSpPr/>
           <p:nvPr>
             <p:ph type="sldImg"/>
@@ -1475,7 +1475,7 @@
       </p:sp>
       <p:sp>
         <p:nvSpPr>
-          <p:cNvPr id="163" name="Shape 163"/>
+          <p:cNvPr id="164" name="Shape 164"/>
           <p:cNvSpPr/>
           <p:nvPr>
             <p:ph type="body" sz="quarter" idx="1"/>
@@ -1530,7 +1530,7 @@
       </p:grpSpPr>
       <p:sp>
         <p:nvSpPr>
-          <p:cNvPr id="167" name="Shape 167"/>
+          <p:cNvPr id="168" name="Shape 168"/>
           <p:cNvSpPr/>
           <p:nvPr>
             <p:ph type="sldImg"/>
@@ -1551,7 +1551,7 @@
       </p:sp>
       <p:sp>
         <p:nvSpPr>
-          <p:cNvPr id="168" name="Shape 168"/>
+          <p:cNvPr id="169" name="Shape 169"/>
           <p:cNvSpPr/>
           <p:nvPr>
             <p:ph type="body" sz="quarter" idx="1"/>
@@ -1600,7 +1600,7 @@
       </p:grpSpPr>
       <p:sp>
         <p:nvSpPr>
-          <p:cNvPr id="176" name="Shape 176"/>
+          <p:cNvPr id="177" name="Shape 177"/>
           <p:cNvSpPr/>
           <p:nvPr>
             <p:ph type="sldImg"/>
@@ -1621,7 +1621,7 @@
       </p:sp>
       <p:sp>
         <p:nvSpPr>
-          <p:cNvPr id="177" name="Shape 177"/>
+          <p:cNvPr id="178" name="Shape 178"/>
           <p:cNvSpPr/>
           <p:nvPr>
             <p:ph type="body" sz="quarter" idx="1"/>
@@ -1679,7 +1679,7 @@
       </p:grpSpPr>
       <p:sp>
         <p:nvSpPr>
-          <p:cNvPr id="181" name="Shape 181"/>
+          <p:cNvPr id="182" name="Shape 182"/>
           <p:cNvSpPr/>
           <p:nvPr>
             <p:ph type="sldImg"/>
@@ -1700,7 +1700,7 @@
       </p:sp>
       <p:sp>
         <p:nvSpPr>
-          <p:cNvPr id="182" name="Shape 182"/>
+          <p:cNvPr id="183" name="Shape 183"/>
           <p:cNvSpPr/>
           <p:nvPr>
             <p:ph type="body" sz="quarter" idx="1"/>
@@ -4400,6 +4400,51 @@
           </a:p>
         </p:txBody>
       </p:sp>
+      <p:sp>
+        <p:nvSpPr>
+          <p:cNvPr id="121" name="Taavi Kübar"/>
+          <p:cNvSpPr txBox="1"/>
+          <p:nvPr/>
+        </p:nvSpPr>
+        <p:spPr>
+          <a:xfrm>
+            <a:off x="4833937" y="11575487"/>
+            <a:ext cx="14716126" cy="1589485"/>
+          </a:xfrm>
+          <a:prstGeom prst="rect">
+            <a:avLst/>
+          </a:prstGeom>
+          <a:ln w="12700">
+            <a:miter lim="400000"/>
+          </a:ln>
+          <a:extLst>
+            <a:ext uri="{C572A759-6A51-4108-AA02-DFA0A04FC94B}">
+              <ma14:wrappingTextBoxFlag xmlns:ma14="http://schemas.microsoft.com/office/mac/drawingml/2011/main" val="1"/>
+            </a:ext>
+          </a:extLst>
+        </p:spPr>
+        <p:txBody>
+          <a:bodyPr lIns="71437" tIns="71437" rIns="71437" bIns="71437">
+            <a:normAutofit fontScale="100000" lnSpcReduction="0"/>
+          </a:bodyPr>
+          <a:lstStyle>
+            <a:lvl1pPr>
+              <a:defRPr b="0" sz="4200">
+                <a:latin typeface="+mn-lt"/>
+                <a:ea typeface="+mn-ea"/>
+                <a:cs typeface="+mn-cs"/>
+                <a:sym typeface="Helvetica Neue Medium"/>
+              </a:defRPr>
+            </a:lvl1pPr>
+          </a:lstStyle>
+          <a:p>
+            <a:pPr/>
+            <a:r>
+              <a:t>Taavi Kübar</a:t>
+            </a:r>
+          </a:p>
+        </p:txBody>
+      </p:sp>
     </p:spTree>
   </p:cSld>
   <p:clrMapOvr>
@@ -4435,7 +4480,7 @@
       </p:grpSpPr>
       <p:pic>
         <p:nvPicPr>
-          <p:cNvPr id="153" name="Image" descr="Image"/>
+          <p:cNvPr id="154" name="Image" descr="Image"/>
           <p:cNvPicPr>
             <a:picLocks noChangeAspect="1"/>
           </p:cNvPicPr>
@@ -4464,7 +4509,7 @@
       </p:pic>
       <p:pic>
         <p:nvPicPr>
-          <p:cNvPr id="154" name="Image" descr="Image"/>
+          <p:cNvPr id="155" name="Image" descr="Image"/>
           <p:cNvPicPr>
             <a:picLocks noChangeAspect="1"/>
           </p:cNvPicPr>
@@ -4493,7 +4538,7 @@
       </p:pic>
       <p:pic>
         <p:nvPicPr>
-          <p:cNvPr id="155" name="Image" descr="Image"/>
+          <p:cNvPr id="156" name="Image" descr="Image"/>
           <p:cNvPicPr>
             <a:picLocks noChangeAspect="1"/>
           </p:cNvPicPr>
@@ -4555,7 +4600,7 @@
       </p:grpSpPr>
       <p:sp>
         <p:nvSpPr>
-          <p:cNvPr id="159" name="Babel"/>
+          <p:cNvPr id="160" name="Babel"/>
           <p:cNvSpPr txBox="1"/>
           <p:nvPr>
             <p:ph type="subTitle" sz="quarter" idx="1"/>
@@ -4592,7 +4637,7 @@
       </p:sp>
       <p:pic>
         <p:nvPicPr>
-          <p:cNvPr id="160" name="1_58R0tzuzVXd_7k89Igm9jA.png" descr="1_58R0tzuzVXd_7k89Igm9jA.png"/>
+          <p:cNvPr id="161" name="1_58R0tzuzVXd_7k89Igm9jA.png" descr="1_58R0tzuzVXd_7k89Igm9jA.png"/>
           <p:cNvPicPr>
             <a:picLocks noChangeAspect="1"/>
           </p:cNvPicPr>
@@ -4621,7 +4666,7 @@
       </p:pic>
       <p:sp>
         <p:nvSpPr>
-          <p:cNvPr id="161" name="Javascript compiler / transpiler"/>
+          <p:cNvPr id="162" name="Javascript compiler / transpiler"/>
           <p:cNvSpPr txBox="1"/>
           <p:nvPr/>
         </p:nvSpPr>
@@ -4699,7 +4744,7 @@
       </p:grpSpPr>
       <p:sp>
         <p:nvSpPr>
-          <p:cNvPr id="165" name="Features"/>
+          <p:cNvPr id="166" name="Features"/>
           <p:cNvSpPr txBox="1"/>
           <p:nvPr>
             <p:ph type="ctrTitle"/>
@@ -4727,7 +4772,7 @@
       </p:sp>
       <p:sp>
         <p:nvSpPr>
-          <p:cNvPr id="166" name="Developers can use latest JavaScript features…"/>
+          <p:cNvPr id="167" name="Developers can use latest JavaScript features…"/>
           <p:cNvSpPr txBox="1"/>
           <p:nvPr/>
         </p:nvSpPr>
@@ -4880,7 +4925,7 @@
       </p:grpSpPr>
       <p:sp>
         <p:nvSpPr>
-          <p:cNvPr id="170" name="Setting up Webpack build and Babel configuration"/>
+          <p:cNvPr id="171" name="Setting up Webpack build and Babel configuration"/>
           <p:cNvSpPr txBox="1"/>
           <p:nvPr>
             <p:ph type="ctrTitle"/>
@@ -4912,7 +4957,7 @@
       </p:sp>
       <p:sp>
         <p:nvSpPr>
-          <p:cNvPr id="171" name="DEVELOPMENT"/>
+          <p:cNvPr id="172" name="DEVELOPMENT"/>
           <p:cNvSpPr txBox="1"/>
           <p:nvPr/>
         </p:nvSpPr>
@@ -4990,7 +5035,7 @@
       </p:grpSpPr>
       <p:sp>
         <p:nvSpPr>
-          <p:cNvPr id="173" name="TypeScript"/>
+          <p:cNvPr id="174" name="TypeScript"/>
           <p:cNvSpPr txBox="1"/>
           <p:nvPr>
             <p:ph type="ctrTitle"/>
@@ -5022,7 +5067,7 @@
       </p:sp>
       <p:sp>
         <p:nvSpPr>
-          <p:cNvPr id="174" name="JavaScript with types"/>
+          <p:cNvPr id="175" name="JavaScript with types"/>
           <p:cNvSpPr txBox="1"/>
           <p:nvPr>
             <p:ph type="subTitle" sz="quarter" idx="1"/>
@@ -5059,7 +5104,7 @@
       </p:sp>
       <p:pic>
         <p:nvPicPr>
-          <p:cNvPr id="175" name="ts.png" descr="ts.png"/>
+          <p:cNvPr id="176" name="ts.png" descr="ts.png"/>
           <p:cNvPicPr>
             <a:picLocks noChangeAspect="1"/>
           </p:cNvPicPr>
@@ -5121,7 +5166,7 @@
       </p:grpSpPr>
       <p:sp>
         <p:nvSpPr>
-          <p:cNvPr id="179" name="Adds support for type annotations…"/>
+          <p:cNvPr id="180" name="Adds support for type annotations…"/>
           <p:cNvSpPr txBox="1"/>
           <p:nvPr/>
         </p:nvSpPr>
@@ -5259,7 +5304,7 @@
       </p:sp>
       <p:sp>
         <p:nvSpPr>
-          <p:cNvPr id="180" name="Features"/>
+          <p:cNvPr id="181" name="Features"/>
           <p:cNvSpPr txBox="1"/>
           <p:nvPr>
             <p:ph type="ctrTitle"/>
@@ -5324,7 +5369,7 @@
       </p:grpSpPr>
       <p:sp>
         <p:nvSpPr>
-          <p:cNvPr id="184" name="TypeScript vs Flow.js"/>
+          <p:cNvPr id="185" name="TypeScript vs Flow.js"/>
           <p:cNvSpPr txBox="1"/>
           <p:nvPr>
             <p:ph type="ctrTitle"/>
@@ -5356,7 +5401,7 @@
       </p:sp>
       <p:pic>
         <p:nvPicPr>
-          <p:cNvPr id="185" name="flow-24-638.jpg" descr="flow-24-638.jpg"/>
+          <p:cNvPr id="186" name="flow-24-638.jpg" descr="flow-24-638.jpg"/>
           <p:cNvPicPr>
             <a:picLocks noChangeAspect="1"/>
           </p:cNvPicPr>
@@ -5418,7 +5463,7 @@
       </p:grpSpPr>
       <p:sp>
         <p:nvSpPr>
-          <p:cNvPr id="189" name="Setting up TypeScript compilation"/>
+          <p:cNvPr id="190" name="Setting up TypeScript compilation"/>
           <p:cNvSpPr txBox="1"/>
           <p:nvPr>
             <p:ph type="ctrTitle"/>
@@ -5450,7 +5495,7 @@
       </p:sp>
       <p:sp>
         <p:nvSpPr>
-          <p:cNvPr id="190" name="DEVELOPMENT"/>
+          <p:cNvPr id="191" name="DEVELOPMENT"/>
           <p:cNvSpPr txBox="1"/>
           <p:nvPr/>
         </p:nvSpPr>
@@ -5528,7 +5573,7 @@
       </p:grpSpPr>
       <p:sp>
         <p:nvSpPr>
-          <p:cNvPr id="192" name="Sass"/>
+          <p:cNvPr id="193" name="Sass"/>
           <p:cNvSpPr txBox="1"/>
           <p:nvPr>
             <p:ph type="ctrTitle"/>
@@ -5560,7 +5605,7 @@
       </p:sp>
       <p:sp>
         <p:nvSpPr>
-          <p:cNvPr id="193" name="CSS with superpowers"/>
+          <p:cNvPr id="194" name="CSS with superpowers"/>
           <p:cNvSpPr txBox="1"/>
           <p:nvPr>
             <p:ph type="subTitle" sz="quarter" idx="1"/>
@@ -5597,7 +5642,7 @@
       </p:sp>
       <p:pic>
         <p:nvPicPr>
-          <p:cNvPr id="194" name="2000px-Sass_Logo_Color.svg.png" descr="2000px-Sass_Logo_Color.svg.png"/>
+          <p:cNvPr id="195" name="2000px-Sass_Logo_Color.svg.png" descr="2000px-Sass_Logo_Color.svg.png"/>
           <p:cNvPicPr>
             <a:picLocks noChangeAspect="1"/>
           </p:cNvPicPr>
@@ -5659,7 +5704,7 @@
       </p:grpSpPr>
       <p:sp>
         <p:nvSpPr>
-          <p:cNvPr id="198" name="Features"/>
+          <p:cNvPr id="199" name="Features"/>
           <p:cNvSpPr txBox="1"/>
           <p:nvPr>
             <p:ph type="ctrTitle"/>
@@ -5691,7 +5736,7 @@
       </p:sp>
       <p:sp>
         <p:nvSpPr>
-          <p:cNvPr id="199" name="Enables writing CSS as modules in separate files…"/>
+          <p:cNvPr id="200" name="Enables writing CSS as modules in separate files…"/>
           <p:cNvSpPr txBox="1"/>
           <p:nvPr/>
         </p:nvSpPr>
@@ -5826,7 +5871,7 @@
       </p:grpSpPr>
       <p:sp>
         <p:nvSpPr>
-          <p:cNvPr id="124" name="Why to use build tools"/>
+          <p:cNvPr id="125" name="Why to use build tools"/>
           <p:cNvSpPr txBox="1"/>
           <p:nvPr>
             <p:ph type="ctrTitle"/>
@@ -5891,7 +5936,7 @@
       </p:grpSpPr>
       <p:sp>
         <p:nvSpPr>
-          <p:cNvPr id="203" name="Setting up Sass compilation"/>
+          <p:cNvPr id="204" name="Setting up Sass compilation"/>
           <p:cNvSpPr txBox="1"/>
           <p:nvPr>
             <p:ph type="ctrTitle"/>
@@ -5923,7 +5968,7 @@
       </p:sp>
       <p:sp>
         <p:nvSpPr>
-          <p:cNvPr id="204" name="DEVELOPMENT"/>
+          <p:cNvPr id="205" name="DEVELOPMENT"/>
           <p:cNvSpPr txBox="1"/>
           <p:nvPr/>
         </p:nvSpPr>
@@ -6001,7 +6046,7 @@
       </p:grpSpPr>
       <p:sp>
         <p:nvSpPr>
-          <p:cNvPr id="206" name="Webpack Dev Server (WDS)…"/>
+          <p:cNvPr id="207" name="Webpack Dev Server (WDS)…"/>
           <p:cNvSpPr txBox="1"/>
           <p:nvPr>
             <p:ph type="ctrTitle"/>
@@ -6039,7 +6084,7 @@
       </p:sp>
       <p:sp>
         <p:nvSpPr>
-          <p:cNvPr id="207" name="Hot Module Replacement exchanges, adds, or removes modules while an application is running,…"/>
+          <p:cNvPr id="208" name="Hot Module Replacement exchanges, adds, or removes modules while an application is running,…"/>
           <p:cNvSpPr txBox="1"/>
           <p:nvPr/>
         </p:nvSpPr>
@@ -6143,7 +6188,7 @@
       </p:grpSpPr>
       <p:sp>
         <p:nvSpPr>
-          <p:cNvPr id="211" name="How HMR works"/>
+          <p:cNvPr id="212" name="How HMR works"/>
           <p:cNvSpPr txBox="1"/>
           <p:nvPr>
             <p:ph type="ctrTitle"/>
@@ -6175,7 +6220,7 @@
       </p:sp>
       <p:sp>
         <p:nvSpPr>
-          <p:cNvPr id="212" name="The following steps allow modules to be swapped in and out of an application:"/>
+          <p:cNvPr id="213" name="The following steps allow modules to be swapped in and out of an application:"/>
           <p:cNvSpPr txBox="1"/>
           <p:nvPr/>
         </p:nvSpPr>
@@ -6223,7 +6268,7 @@
       </p:sp>
       <p:sp>
         <p:nvSpPr>
-          <p:cNvPr id="213" name="The application asks the HMR runtime to check for updates.…"/>
+          <p:cNvPr id="214" name="The application asks the HMR runtime to check for updates.…"/>
           <p:cNvSpPr txBox="1"/>
           <p:nvPr/>
         </p:nvSpPr>
@@ -6371,7 +6416,7 @@
       </p:grpSpPr>
       <p:sp>
         <p:nvSpPr>
-          <p:cNvPr id="215" name="Setting up WDS and HMR"/>
+          <p:cNvPr id="216" name="Setting up WDS and HMR"/>
           <p:cNvSpPr txBox="1"/>
           <p:nvPr>
             <p:ph type="ctrTitle"/>
@@ -6403,7 +6448,7 @@
       </p:sp>
       <p:sp>
         <p:nvSpPr>
-          <p:cNvPr id="216" name="DEVELOPMENT"/>
+          <p:cNvPr id="217" name="DEVELOPMENT"/>
           <p:cNvSpPr txBox="1"/>
           <p:nvPr/>
         </p:nvSpPr>
@@ -6481,7 +6526,7 @@
       </p:grpSpPr>
       <p:sp>
         <p:nvSpPr>
-          <p:cNvPr id="218" name="Gulp.js"/>
+          <p:cNvPr id="219" name="Gulp.js"/>
           <p:cNvSpPr txBox="1"/>
           <p:nvPr>
             <p:ph type="ctrTitle"/>
@@ -6513,7 +6558,7 @@
       </p:sp>
       <p:sp>
         <p:nvSpPr>
-          <p:cNvPr id="219" name="Task runner"/>
+          <p:cNvPr id="220" name="Task runner"/>
           <p:cNvSpPr txBox="1"/>
           <p:nvPr>
             <p:ph type="subTitle" sz="quarter" idx="1"/>
@@ -6550,7 +6595,7 @@
       </p:sp>
       <p:pic>
         <p:nvPicPr>
-          <p:cNvPr id="220" name="1_mI7rlIw_VWsS-r981xXe2w.png" descr="1_mI7rlIw_VWsS-r981xXe2w.png"/>
+          <p:cNvPr id="221" name="1_mI7rlIw_VWsS-r981xXe2w.png" descr="1_mI7rlIw_VWsS-r981xXe2w.png"/>
           <p:cNvPicPr>
             <a:picLocks noChangeAspect="1"/>
           </p:cNvPicPr>
@@ -6612,7 +6657,7 @@
       </p:grpSpPr>
       <p:sp>
         <p:nvSpPr>
-          <p:cNvPr id="224" name="Gulp task"/>
+          <p:cNvPr id="225" name="Gulp task"/>
           <p:cNvSpPr txBox="1"/>
           <p:nvPr>
             <p:ph type="ctrTitle"/>
@@ -6644,7 +6689,7 @@
       </p:sp>
       <p:pic>
         <p:nvPicPr>
-          <p:cNvPr id="225" name="gulp.jpg" descr="gulp.jpg"/>
+          <p:cNvPr id="226" name="gulp.jpg" descr="gulp.jpg"/>
           <p:cNvPicPr>
             <a:picLocks noChangeAspect="1"/>
           </p:cNvPicPr>
@@ -6674,7 +6719,7 @@
       </p:pic>
       <p:sp>
         <p:nvSpPr>
-          <p:cNvPr id="226" name="Rectangle"/>
+          <p:cNvPr id="227" name="Rectangle"/>
           <p:cNvSpPr/>
           <p:nvPr/>
         </p:nvSpPr>
@@ -6710,7 +6755,7 @@
       </p:sp>
       <p:sp>
         <p:nvSpPr>
-          <p:cNvPr id="227" name="Rectangle"/>
+          <p:cNvPr id="228" name="Rectangle"/>
           <p:cNvSpPr/>
           <p:nvPr/>
         </p:nvSpPr>
@@ -6779,7 +6824,7 @@
       </p:grpSpPr>
       <p:sp>
         <p:nvSpPr>
-          <p:cNvPr id="231" name="Features"/>
+          <p:cNvPr id="232" name="Features"/>
           <p:cNvSpPr txBox="1"/>
           <p:nvPr>
             <p:ph type="ctrTitle"/>
@@ -6811,7 +6856,7 @@
       </p:sp>
       <p:sp>
         <p:nvSpPr>
-          <p:cNvPr id="232" name="More efficient than npm scripts for IO operations…"/>
+          <p:cNvPr id="233" name="More efficient than npm scripts for IO operations…"/>
           <p:cNvSpPr txBox="1"/>
           <p:nvPr/>
         </p:nvSpPr>
@@ -6910,7 +6955,7 @@
       </p:grpSpPr>
       <p:sp>
         <p:nvSpPr>
-          <p:cNvPr id="236" name="Setting up Gulp"/>
+          <p:cNvPr id="237" name="Setting up Gulp"/>
           <p:cNvSpPr txBox="1"/>
           <p:nvPr>
             <p:ph type="ctrTitle"/>
@@ -6942,7 +6987,7 @@
       </p:sp>
       <p:sp>
         <p:nvSpPr>
-          <p:cNvPr id="237" name="DEVELOPMENT"/>
+          <p:cNvPr id="238" name="DEVELOPMENT"/>
           <p:cNvSpPr txBox="1"/>
           <p:nvPr/>
         </p:nvSpPr>
@@ -7020,7 +7065,7 @@
       </p:grpSpPr>
       <p:sp>
         <p:nvSpPr>
-          <p:cNvPr id="239" name="Linting"/>
+          <p:cNvPr id="240" name="Linting"/>
           <p:cNvSpPr txBox="1"/>
           <p:nvPr>
             <p:ph type="ctrTitle"/>
@@ -7052,7 +7097,7 @@
       </p:sp>
       <p:sp>
         <p:nvSpPr>
-          <p:cNvPr id="240" name="ESLint"/>
+          <p:cNvPr id="241" name="ESLint"/>
           <p:cNvSpPr txBox="1"/>
           <p:nvPr/>
         </p:nvSpPr>
@@ -7100,7 +7145,7 @@
       </p:sp>
       <p:sp>
         <p:nvSpPr>
-          <p:cNvPr id="241" name="TSLint"/>
+          <p:cNvPr id="242" name="TSLint"/>
           <p:cNvSpPr txBox="1"/>
           <p:nvPr/>
         </p:nvSpPr>
@@ -7148,7 +7193,7 @@
       </p:sp>
       <p:sp>
         <p:nvSpPr>
-          <p:cNvPr id="242" name="SassLint"/>
+          <p:cNvPr id="243" name="SassLint"/>
           <p:cNvSpPr txBox="1"/>
           <p:nvPr/>
         </p:nvSpPr>
@@ -7196,7 +7241,7 @@
       </p:sp>
       <p:sp>
         <p:nvSpPr>
-          <p:cNvPr id="243" name="A linter refers to tools that analyze source code to flag programming errors, bugs, stylistic errors, and suspicious constructs."/>
+          <p:cNvPr id="244" name="A linter refers to tools that analyze source code to flag programming errors, bugs, stylistic errors, and suspicious constructs."/>
           <p:cNvSpPr txBox="1"/>
           <p:nvPr/>
         </p:nvSpPr>
@@ -7274,7 +7319,7 @@
       </p:grpSpPr>
       <p:sp>
         <p:nvSpPr>
-          <p:cNvPr id="245" name="Features"/>
+          <p:cNvPr id="246" name="Features"/>
           <p:cNvSpPr txBox="1"/>
           <p:nvPr>
             <p:ph type="ctrTitle"/>
@@ -7306,7 +7351,7 @@
       </p:sp>
       <p:sp>
         <p:nvSpPr>
-          <p:cNvPr id="246" name="Agreed upon code syntax and methodologies per team/service…"/>
+          <p:cNvPr id="247" name="Agreed upon code syntax and methodologies per team/service…"/>
           <p:cNvSpPr txBox="1"/>
           <p:nvPr/>
         </p:nvSpPr>
@@ -7441,7 +7486,7 @@
       </p:grpSpPr>
       <p:sp>
         <p:nvSpPr>
-          <p:cNvPr id="126" name="If you're building a complex Front End application with many non-code static assets such as CSS, images, fonts, etc, then yes, Webpack will give you great benefits."/>
+          <p:cNvPr id="127" name="If you're building a complex Front End application with many non-code static assets such as CSS, images, fonts, etc, then yes, Webpack will give you great benefits."/>
           <p:cNvSpPr txBox="1"/>
           <p:nvPr>
             <p:ph type="subTitle" sz="quarter" idx="1"/>
@@ -7478,7 +7523,7 @@
       </p:sp>
       <p:sp>
         <p:nvSpPr>
-          <p:cNvPr id="127" name="If your application is fairly small, and you don't have many static assets and you only need to build one Javascript file to serve to the client, then Webpack might be more overhead than you need."/>
+          <p:cNvPr id="128" name="If your application is fairly small, and you don't have many static assets and you only need to build one Javascript file to serve to the client, then Webpack might be more overhead than you need."/>
           <p:cNvSpPr txBox="1"/>
           <p:nvPr/>
         </p:nvSpPr>
@@ -7556,7 +7601,7 @@
       </p:grpSpPr>
       <p:sp>
         <p:nvSpPr>
-          <p:cNvPr id="248" name="Setting up Linting"/>
+          <p:cNvPr id="249" name="Setting up Linting"/>
           <p:cNvSpPr txBox="1"/>
           <p:nvPr>
             <p:ph type="ctrTitle"/>
@@ -7588,7 +7633,7 @@
       </p:sp>
       <p:sp>
         <p:nvSpPr>
-          <p:cNvPr id="249" name="DEVELOPMENT"/>
+          <p:cNvPr id="250" name="DEVELOPMENT"/>
           <p:cNvSpPr txBox="1"/>
           <p:nvPr/>
         </p:nvSpPr>
@@ -7666,7 +7711,7 @@
       </p:grpSpPr>
       <p:sp>
         <p:nvSpPr>
-          <p:cNvPr id="251" name="https://blog.andrewray.me/webpack-when-to-use-and-why/https://github.com/webpack-contrib/sass-loader…"/>
+          <p:cNvPr id="252" name="https://blog.andrewray.me/webpack-when-to-use-and-why/https://github.com/webpack-contrib/sass-loader…"/>
           <p:cNvSpPr txBox="1"/>
           <p:nvPr>
             <p:ph type="ctrTitle"/>
@@ -8195,7 +8240,7 @@
       </p:sp>
       <p:sp>
         <p:nvSpPr>
-          <p:cNvPr id="252" name="Useful resources"/>
+          <p:cNvPr id="253" name="Useful resources"/>
           <p:cNvSpPr txBox="1"/>
           <p:nvPr/>
         </p:nvSpPr>
@@ -8273,7 +8318,7 @@
       </p:grpSpPr>
       <p:sp>
         <p:nvSpPr>
-          <p:cNvPr id="254" name="Useful resources"/>
+          <p:cNvPr id="255" name="Useful resources"/>
           <p:cNvSpPr txBox="1"/>
           <p:nvPr/>
         </p:nvSpPr>
@@ -8318,7 +8363,7 @@
       </p:sp>
       <p:sp>
         <p:nvSpPr>
-          <p:cNvPr id="255" name="https://eslint.org/docs/user-guide/configuring…"/>
+          <p:cNvPr id="256" name="https://eslint.org/docs/user-guide/configuring…"/>
           <p:cNvSpPr txBox="1"/>
           <p:nvPr/>
         </p:nvSpPr>
@@ -8891,13 +8936,13 @@
       </p:grpSpPr>
       <p:sp>
         <p:nvSpPr>
-          <p:cNvPr id="257" name="Thank you!"/>
+          <p:cNvPr id="258" name="Thank you!"/>
           <p:cNvSpPr txBox="1"/>
           <p:nvPr/>
         </p:nvSpPr>
         <p:spPr>
           <a:xfrm>
-            <a:off x="4608749" y="4536281"/>
+            <a:off x="4833937" y="4536281"/>
             <a:ext cx="14716126" cy="4643438"/>
           </a:xfrm>
           <a:prstGeom prst="rect">
@@ -8930,6 +8975,68 @@
             <a:pPr/>
             <a:r>
               <a:t>Thank you!</a:t>
+            </a:r>
+          </a:p>
+        </p:txBody>
+      </p:sp>
+      <p:sp>
+        <p:nvSpPr>
+          <p:cNvPr id="259" name="Taavi Kübar…"/>
+          <p:cNvSpPr txBox="1"/>
+          <p:nvPr/>
+        </p:nvSpPr>
+        <p:spPr>
+          <a:xfrm>
+            <a:off x="4833937" y="9282065"/>
+            <a:ext cx="14716126" cy="1941222"/>
+          </a:xfrm>
+          <a:prstGeom prst="rect">
+            <a:avLst/>
+          </a:prstGeom>
+          <a:ln w="12700">
+            <a:miter lim="400000"/>
+          </a:ln>
+          <a:extLst>
+            <a:ext uri="{C572A759-6A51-4108-AA02-DFA0A04FC94B}">
+              <ma14:wrappingTextBoxFlag xmlns:ma14="http://schemas.microsoft.com/office/mac/drawingml/2011/main" val="1"/>
+            </a:ext>
+          </a:extLst>
+        </p:spPr>
+        <p:txBody>
+          <a:bodyPr lIns="71437" tIns="71437" rIns="71437" bIns="71437">
+            <a:normAutofit fontScale="100000" lnSpcReduction="0"/>
+          </a:bodyPr>
+          <a:lstStyle/>
+          <a:p>
+            <a:pPr>
+              <a:lnSpc>
+                <a:spcPct val="150000"/>
+              </a:lnSpc>
+              <a:defRPr b="0" sz="4200">
+                <a:latin typeface="+mn-lt"/>
+                <a:ea typeface="+mn-ea"/>
+                <a:cs typeface="+mn-cs"/>
+                <a:sym typeface="Helvetica Neue Medium"/>
+              </a:defRPr>
+            </a:pPr>
+            <a:r>
+              <a:t>Taavi Kübar</a:t>
+            </a:r>
+          </a:p>
+          <a:p>
+            <a:pPr>
+              <a:lnSpc>
+                <a:spcPct val="150000"/>
+              </a:lnSpc>
+              <a:defRPr b="0" sz="4200">
+                <a:latin typeface="+mn-lt"/>
+                <a:ea typeface="+mn-ea"/>
+                <a:cs typeface="+mn-cs"/>
+                <a:sym typeface="Helvetica Neue Medium"/>
+              </a:defRPr>
+            </a:pPr>
+            <a:r>
+              <a:t>2018</a:t>
             </a:r>
           </a:p>
         </p:txBody>
@@ -8969,7 +9076,7 @@
       </p:grpSpPr>
       <p:sp>
         <p:nvSpPr>
-          <p:cNvPr id="129" name="To use ES6 modules…"/>
+          <p:cNvPr id="130" name="To use ES6 modules…"/>
           <p:cNvSpPr txBox="1"/>
           <p:nvPr/>
         </p:nvSpPr>
@@ -9140,7 +9247,7 @@
       </p:grpSpPr>
       <p:sp>
         <p:nvSpPr>
-          <p:cNvPr id="131" name="To take advantage of production build optimizations…"/>
+          <p:cNvPr id="132" name="To take advantage of production build optimizations…"/>
           <p:cNvSpPr txBox="1"/>
           <p:nvPr/>
         </p:nvSpPr>
@@ -9311,7 +9418,7 @@
       </p:grpSpPr>
       <p:pic>
         <p:nvPicPr>
-          <p:cNvPr id="133" name="Image" descr="Image"/>
+          <p:cNvPr id="134" name="Image" descr="Image"/>
           <p:cNvPicPr>
             <a:picLocks noChangeAspect="1"/>
           </p:cNvPicPr>
@@ -9340,7 +9447,7 @@
       </p:pic>
       <p:sp>
         <p:nvSpPr>
-          <p:cNvPr id="134" name="Webpack"/>
+          <p:cNvPr id="135" name="Webpack"/>
           <p:cNvSpPr txBox="1"/>
           <p:nvPr>
             <p:ph type="ctrTitle"/>
@@ -9372,7 +9479,7 @@
       </p:sp>
       <p:sp>
         <p:nvSpPr>
-          <p:cNvPr id="135" name="Static module builder"/>
+          <p:cNvPr id="136" name="Static module builder"/>
           <p:cNvSpPr txBox="1"/>
           <p:nvPr>
             <p:ph type="subTitle" sz="quarter" idx="1"/>
@@ -9442,7 +9549,7 @@
       </p:grpSpPr>
       <p:sp>
         <p:nvSpPr>
-          <p:cNvPr id="139" name="Webpack is a build tool that puts all of your assets, including Javascript, images, fonts, and CSS, in a dependency graph."/>
+          <p:cNvPr id="140" name="Webpack is a build tool that puts all of your assets, including Javascript, images, fonts, and CSS, in a dependency graph."/>
           <p:cNvSpPr txBox="1"/>
           <p:nvPr>
             <p:ph type="subTitle" sz="quarter" idx="1"/>
@@ -9479,7 +9586,7 @@
       </p:sp>
       <p:sp>
         <p:nvSpPr>
-          <p:cNvPr id="140" name="When webpack processes your application, it starts from a list of modules defined on the command line or in its config file.…"/>
+          <p:cNvPr id="141" name="When webpack processes your application, it starts from a list of modules defined on the command line or in its config file.…"/>
           <p:cNvSpPr txBox="1"/>
           <p:nvPr/>
         </p:nvSpPr>
@@ -9578,7 +9685,7 @@
       </p:grpSpPr>
       <p:sp>
         <p:nvSpPr>
-          <p:cNvPr id="144" name="Features"/>
+          <p:cNvPr id="145" name="Features"/>
           <p:cNvSpPr txBox="1"/>
           <p:nvPr>
             <p:ph type="ctrTitle"/>
@@ -9606,7 +9713,7 @@
       </p:sp>
       <p:sp>
         <p:nvSpPr>
-          <p:cNvPr id="145" name="Ability to bundle all sort of different files…"/>
+          <p:cNvPr id="146" name="Ability to bundle all sort of different files…"/>
           <p:cNvSpPr txBox="1"/>
           <p:nvPr/>
         </p:nvSpPr>
@@ -9744,7 +9851,7 @@
       </p:sp>
       <p:pic>
         <p:nvPicPr>
-          <p:cNvPr id="146" name="Image" descr="Image"/>
+          <p:cNvPr id="147" name="Image" descr="Image"/>
           <p:cNvPicPr>
             <a:picLocks noChangeAspect="1"/>
           </p:cNvPicPr>
@@ -9806,7 +9913,7 @@
       </p:grpSpPr>
       <p:sp>
         <p:nvSpPr>
-          <p:cNvPr id="148" name="Comparsion"/>
+          <p:cNvPr id="149" name="Comparsion"/>
           <p:cNvSpPr txBox="1"/>
           <p:nvPr>
             <p:ph type="ctrTitle"/>
@@ -9842,7 +9949,7 @@
       </p:sp>
       <p:pic>
         <p:nvPicPr>
-          <p:cNvPr id="149" name="Image" descr="Image"/>
+          <p:cNvPr id="150" name="Image" descr="Image"/>
           <p:cNvPicPr>
             <a:picLocks noChangeAspect="1"/>
           </p:cNvPicPr>
